--- a/第8节.pptx
+++ b/第8节.pptx
@@ -3912,13 +3912,6 @@
                 </a:rPr>
                 <a:t>多优先级</a:t>
               </a:r>
-              <a:endParaRPr lang="zh-CN" altLang="en-US" sz="3200" b="1" dirty="0">
-                <a:solidFill>
-                  <a:srgbClr val="000000"/>
-                </a:solidFill>
-                <a:latin typeface="微软雅黑" pitchFamily="34" charset="-122"/>
-                <a:ea typeface="微软雅黑" pitchFamily="34" charset="-122"/>
-              </a:endParaRPr>
             </a:p>
           </p:txBody>
         </p:sp>
@@ -5589,14 +5582,14 @@
           <a:p>
             <a:pPr algn="ctr" eaLnBrk="1" hangingPunct="1"/>
             <a:r>
-              <a:rPr lang="en-US" altLang="zh-CN" sz="3200" b="1" dirty="0" err="1" smtClean="0">
+              <a:rPr lang="zh-CN" altLang="en-US" sz="3200" b="1" dirty="0" smtClean="0">
                 <a:solidFill>
                   <a:srgbClr val="000000"/>
                 </a:solidFill>
                 <a:latin typeface="微软雅黑" pitchFamily="34" charset="-122"/>
                 <a:ea typeface="微软雅黑" pitchFamily="34" charset="-122"/>
               </a:rPr>
-              <a:t>xxxxxx</a:t>
+              <a:t>实验</a:t>
             </a:r>
             <a:endParaRPr lang="zh-CN" altLang="en-US" sz="3200" b="1" dirty="0">
               <a:solidFill>
@@ -5608,6 +5601,33 @@
           </a:p>
         </p:txBody>
       </p:sp>
+      <p:pic>
+        <p:nvPicPr>
+          <p:cNvPr id="4" name="图片 3"/>
+          <p:cNvPicPr/>
+          <p:nvPr/>
+        </p:nvPicPr>
+        <p:blipFill>
+          <a:blip r:embed="rId3"/>
+          <a:stretch>
+            <a:fillRect/>
+          </a:stretch>
+        </p:blipFill>
+        <p:spPr>
+          <a:xfrm>
+            <a:off x="418306" y="2348880"/>
+            <a:ext cx="8258150" cy="2808312"/>
+          </a:xfrm>
+          <a:prstGeom prst="rect">
+            <a:avLst/>
+          </a:prstGeom>
+          <a:ln>
+            <a:solidFill>
+              <a:schemeClr val="tx1"/>
+            </a:solidFill>
+          </a:ln>
+        </p:spPr>
+      </p:pic>
     </p:spTree>
     <p:extLst>
       <p:ext uri="{BB962C8B-B14F-4D97-AF65-F5344CB8AC3E}">
@@ -10647,7 +10667,7 @@
         </p:nvSpPr>
         <p:spPr>
           <a:xfrm>
-            <a:off x="611560" y="1196752"/>
+            <a:off x="604068" y="1556792"/>
             <a:ext cx="7704856" cy="1200329"/>
           </a:xfrm>
           <a:prstGeom prst="rect">
@@ -10980,14 +11000,14 @@
           <a:p>
             <a:pPr algn="ctr" eaLnBrk="1" hangingPunct="1"/>
             <a:r>
-              <a:rPr lang="en-US" altLang="zh-CN" sz="3200" b="1" dirty="0" err="1" smtClean="0">
+              <a:rPr lang="zh-CN" altLang="en-US" sz="3200" b="1" dirty="0" smtClean="0">
                 <a:solidFill>
                   <a:srgbClr val="000000"/>
                 </a:solidFill>
                 <a:latin typeface="微软雅黑" pitchFamily="34" charset="-122"/>
                 <a:ea typeface="微软雅黑" pitchFamily="34" charset="-122"/>
               </a:rPr>
-              <a:t>xxxxxx</a:t>
+              <a:t>通用方法</a:t>
             </a:r>
             <a:endParaRPr lang="zh-CN" altLang="en-US" sz="3200" b="1" dirty="0">
               <a:solidFill>
@@ -10996,6 +11016,157 @@
               <a:latin typeface="微软雅黑" pitchFamily="34" charset="-122"/>
               <a:ea typeface="微软雅黑" pitchFamily="34" charset="-122"/>
             </a:endParaRPr>
+          </a:p>
+        </p:txBody>
+      </p:sp>
+      <p:sp>
+        <p:nvSpPr>
+          <p:cNvPr id="2" name="矩形 1"/>
+          <p:cNvSpPr/>
+          <p:nvPr/>
+        </p:nvSpPr>
+        <p:spPr>
+          <a:xfrm>
+            <a:off x="530861" y="1556792"/>
+            <a:ext cx="7520072" cy="369332"/>
+          </a:xfrm>
+          <a:prstGeom prst="rect">
+            <a:avLst/>
+          </a:prstGeom>
+        </p:spPr>
+        <p:txBody>
+          <a:bodyPr wrap="none">
+            <a:spAutoFit/>
+          </a:bodyPr>
+          <a:lstStyle/>
+          <a:p>
+            <a:r>
+              <a:rPr lang="en-US" altLang="zh-CN" dirty="0" err="1"/>
+              <a:t>taskRECORD_READY_PRIORITY</a:t>
+            </a:r>
+            <a:r>
+              <a:rPr lang="en-US" altLang="zh-CN" dirty="0" smtClean="0"/>
+              <a:t>()</a:t>
+            </a:r>
+            <a:r>
+              <a:rPr lang="zh-CN" altLang="en-US" dirty="0" smtClean="0"/>
+              <a:t>：用于更新</a:t>
+            </a:r>
+            <a:r>
+              <a:rPr lang="en-US" altLang="zh-CN" dirty="0" err="1" smtClean="0"/>
+              <a:t>uxTopReadyPriority</a:t>
+            </a:r>
+            <a:r>
+              <a:rPr lang="zh-CN" altLang="en-US" dirty="0" smtClean="0"/>
+              <a:t>的值</a:t>
+            </a:r>
+            <a:endParaRPr lang="zh-CN" altLang="en-US" dirty="0"/>
+          </a:p>
+        </p:txBody>
+      </p:sp>
+      <p:sp>
+        <p:nvSpPr>
+          <p:cNvPr id="3" name="矩形 2"/>
+          <p:cNvSpPr/>
+          <p:nvPr/>
+        </p:nvSpPr>
+        <p:spPr>
+          <a:xfrm>
+            <a:off x="530860" y="2491213"/>
+            <a:ext cx="7641540" cy="646331"/>
+          </a:xfrm>
+          <a:prstGeom prst="rect">
+            <a:avLst/>
+          </a:prstGeom>
+        </p:spPr>
+        <p:txBody>
+          <a:bodyPr wrap="square">
+            <a:spAutoFit/>
+          </a:bodyPr>
+          <a:lstStyle/>
+          <a:p>
+            <a:r>
+              <a:rPr lang="en-US" altLang="zh-CN" dirty="0" err="1"/>
+              <a:t>taskSELECT_HIGHEST_PRIORITY_TASK</a:t>
+            </a:r>
+            <a:r>
+              <a:rPr lang="en-US" altLang="zh-CN" dirty="0" smtClean="0"/>
+              <a:t>()</a:t>
+            </a:r>
+            <a:r>
+              <a:rPr lang="zh-CN" altLang="en-US" dirty="0" smtClean="0"/>
+              <a:t>：</a:t>
+            </a:r>
+            <a:r>
+              <a:rPr lang="zh-CN" altLang="zh-CN" dirty="0"/>
+              <a:t>用于寻找优先级最高的就绪任务，实质就是更新</a:t>
+            </a:r>
+            <a:r>
+              <a:rPr lang="en-US" altLang="zh-CN" dirty="0" err="1"/>
+              <a:t>uxTopReadyPriority</a:t>
+            </a:r>
+            <a:r>
+              <a:rPr lang="zh-CN" altLang="zh-CN" dirty="0"/>
+              <a:t>和</a:t>
+            </a:r>
+            <a:r>
+              <a:rPr lang="en-US" altLang="zh-CN" dirty="0" err="1"/>
+              <a:t>pxCurrentTCB</a:t>
+            </a:r>
+            <a:r>
+              <a:rPr lang="zh-CN" altLang="zh-CN" dirty="0"/>
+              <a:t>的值</a:t>
+            </a:r>
+            <a:endParaRPr lang="zh-CN" altLang="en-US" dirty="0"/>
+          </a:p>
+        </p:txBody>
+      </p:sp>
+      <p:sp>
+        <p:nvSpPr>
+          <p:cNvPr id="4" name="矩形 3"/>
+          <p:cNvSpPr/>
+          <p:nvPr/>
+        </p:nvSpPr>
+        <p:spPr>
+          <a:xfrm>
+            <a:off x="530861" y="3284984"/>
+            <a:ext cx="7520072" cy="1200329"/>
+          </a:xfrm>
+          <a:prstGeom prst="rect">
+            <a:avLst/>
+          </a:prstGeom>
+        </p:spPr>
+        <p:txBody>
+          <a:bodyPr wrap="square">
+            <a:spAutoFit/>
+          </a:bodyPr>
+          <a:lstStyle/>
+          <a:p>
+            <a:r>
+              <a:rPr lang="zh-CN" altLang="zh-CN" dirty="0"/>
+              <a:t>从最高优先级对应的就绪列表数组下标开始寻找当前链表下是否有任务存在，如果没有，则</a:t>
+            </a:r>
+            <a:r>
+              <a:rPr lang="en-US" altLang="zh-CN" dirty="0" err="1"/>
+              <a:t>uxTopPriority</a:t>
+            </a:r>
+            <a:r>
+              <a:rPr lang="zh-CN" altLang="zh-CN" dirty="0"/>
+              <a:t>减一操作，继续寻找下一个优先级对应的链表中是否有任务存在，如果有则跳出</a:t>
+            </a:r>
+            <a:r>
+              <a:rPr lang="en-US" altLang="zh-CN" dirty="0"/>
+              <a:t>while</a:t>
+            </a:r>
+            <a:r>
+              <a:rPr lang="zh-CN" altLang="zh-CN" dirty="0"/>
+              <a:t>循环，表示找到了最高优先级的就绪任务</a:t>
+            </a:r>
+            <a:r>
+              <a:rPr lang="zh-CN" altLang="zh-CN" dirty="0" smtClean="0"/>
+              <a:t>。</a:t>
+            </a:r>
+            <a:endParaRPr lang="zh-CN" altLang="en-US" dirty="0"/>
           </a:p>
         </p:txBody>
       </p:sp>
@@ -11263,14 +11434,24 @@
           <a:p>
             <a:pPr algn="ctr" eaLnBrk="1" hangingPunct="1"/>
             <a:r>
-              <a:rPr lang="en-US" altLang="zh-CN" sz="3200" b="1" dirty="0" err="1" smtClean="0">
+              <a:rPr lang="zh-CN" altLang="en-US" sz="3200" b="1" dirty="0" smtClean="0">
                 <a:solidFill>
                   <a:srgbClr val="000000"/>
                 </a:solidFill>
                 <a:latin typeface="微软雅黑" pitchFamily="34" charset="-122"/>
                 <a:ea typeface="微软雅黑" pitchFamily="34" charset="-122"/>
               </a:rPr>
-              <a:t>xxxxxx</a:t>
+              <a:t>优化</a:t>
+            </a:r>
+            <a:r>
+              <a:rPr lang="zh-CN" altLang="en-US" sz="3200" b="1" dirty="0">
+                <a:solidFill>
+                  <a:srgbClr val="000000"/>
+                </a:solidFill>
+                <a:latin typeface="微软雅黑" pitchFamily="34" charset="-122"/>
+                <a:ea typeface="微软雅黑" pitchFamily="34" charset="-122"/>
+              </a:rPr>
+              <a:t>方法</a:t>
             </a:r>
             <a:endParaRPr lang="zh-CN" altLang="en-US" sz="3200" b="1" dirty="0">
               <a:solidFill>
@@ -11279,6 +11460,276 @@
               <a:latin typeface="微软雅黑" pitchFamily="34" charset="-122"/>
               <a:ea typeface="微软雅黑" pitchFamily="34" charset="-122"/>
             </a:endParaRPr>
+          </a:p>
+        </p:txBody>
+      </p:sp>
+      <p:sp>
+        <p:nvSpPr>
+          <p:cNvPr id="2" name="矩形 1"/>
+          <p:cNvSpPr/>
+          <p:nvPr/>
+        </p:nvSpPr>
+        <p:spPr>
+          <a:xfrm>
+            <a:off x="539552" y="1412776"/>
+            <a:ext cx="7848872" cy="923330"/>
+          </a:xfrm>
+          <a:prstGeom prst="rect">
+            <a:avLst/>
+          </a:prstGeom>
+        </p:spPr>
+        <p:txBody>
+          <a:bodyPr wrap="square">
+            <a:spAutoFit/>
+          </a:bodyPr>
+          <a:lstStyle/>
+          <a:p>
+            <a:r>
+              <a:rPr lang="en-US" altLang="zh-CN" dirty="0"/>
+              <a:t>Cortex-M</a:t>
+            </a:r>
+            <a:r>
+              <a:rPr lang="zh-CN" altLang="zh-CN" dirty="0"/>
+              <a:t>内核有一个计算前导零的指令</a:t>
+            </a:r>
+            <a:r>
+              <a:rPr lang="en-US" altLang="zh-CN" dirty="0"/>
+              <a:t>CLZ</a:t>
+            </a:r>
+            <a:r>
+              <a:rPr lang="zh-CN" altLang="zh-CN" dirty="0"/>
+              <a:t>，所谓前导零就是计算一个变量（</a:t>
+            </a:r>
+            <a:r>
+              <a:rPr lang="en-US" altLang="zh-CN" dirty="0"/>
+              <a:t>Cortex-M</a:t>
+            </a:r>
+            <a:r>
+              <a:rPr lang="zh-CN" altLang="zh-CN" dirty="0"/>
+              <a:t>内核单片机的变量为</a:t>
+            </a:r>
+            <a:r>
+              <a:rPr lang="en-US" altLang="zh-CN" dirty="0"/>
+              <a:t>32</a:t>
+            </a:r>
+            <a:r>
+              <a:rPr lang="zh-CN" altLang="zh-CN" dirty="0"/>
+              <a:t>位）从高位开始第一次出现</a:t>
+            </a:r>
+            <a:r>
+              <a:rPr lang="en-US" altLang="zh-CN" dirty="0"/>
+              <a:t>1</a:t>
+            </a:r>
+            <a:r>
+              <a:rPr lang="zh-CN" altLang="zh-CN" dirty="0"/>
+              <a:t>的位的前面的零的</a:t>
+            </a:r>
+            <a:r>
+              <a:rPr lang="zh-CN" altLang="zh-CN" dirty="0" smtClean="0"/>
+              <a:t>个数</a:t>
+            </a:r>
+            <a:r>
+              <a:rPr lang="zh-CN" altLang="en-US" dirty="0" smtClean="0"/>
+              <a:t>。</a:t>
+            </a:r>
+            <a:endParaRPr lang="zh-CN" altLang="en-US" dirty="0"/>
+          </a:p>
+        </p:txBody>
+      </p:sp>
+      <p:pic>
+        <p:nvPicPr>
+          <p:cNvPr id="5" name="图片 4"/>
+          <p:cNvPicPr/>
+          <p:nvPr/>
+        </p:nvPicPr>
+        <p:blipFill>
+          <a:blip r:embed="rId3"/>
+          <a:stretch>
+            <a:fillRect/>
+          </a:stretch>
+        </p:blipFill>
+        <p:spPr>
+          <a:xfrm>
+            <a:off x="11334" y="2701543"/>
+            <a:ext cx="9144000" cy="936104"/>
+          </a:xfrm>
+          <a:prstGeom prst="rect">
+            <a:avLst/>
+          </a:prstGeom>
+          <a:ln>
+            <a:solidFill>
+              <a:schemeClr val="tx1"/>
+            </a:solidFill>
+          </a:ln>
+        </p:spPr>
+      </p:pic>
+      <p:sp>
+        <p:nvSpPr>
+          <p:cNvPr id="3" name="矩形 2"/>
+          <p:cNvSpPr/>
+          <p:nvPr/>
+        </p:nvSpPr>
+        <p:spPr>
+          <a:xfrm>
+            <a:off x="539552" y="3933056"/>
+            <a:ext cx="7848872" cy="646331"/>
+          </a:xfrm>
+          <a:prstGeom prst="rect">
+            <a:avLst/>
+          </a:prstGeom>
+        </p:spPr>
+        <p:txBody>
+          <a:bodyPr wrap="square">
+            <a:spAutoFit/>
+          </a:bodyPr>
+          <a:lstStyle/>
+          <a:p>
+            <a:r>
+              <a:rPr lang="en-US" altLang="zh-CN" dirty="0" err="1"/>
+              <a:t>taskRECORD_READY_PRIORITY</a:t>
+            </a:r>
+            <a:r>
+              <a:rPr lang="en-US" altLang="zh-CN" dirty="0"/>
+              <a:t>()</a:t>
+            </a:r>
+            <a:r>
+              <a:rPr lang="zh-CN" altLang="zh-CN" dirty="0"/>
+              <a:t>用于根据传进来的形参</a:t>
+            </a:r>
+            <a:r>
+              <a:rPr lang="zh-CN" altLang="zh-CN" dirty="0" smtClean="0"/>
+              <a:t>（形参</a:t>
+            </a:r>
+            <a:r>
+              <a:rPr lang="zh-CN" altLang="zh-CN" dirty="0"/>
+              <a:t>就是任务的优先级）将变量</a:t>
+            </a:r>
+            <a:r>
+              <a:rPr lang="en-US" altLang="zh-CN" dirty="0" err="1"/>
+              <a:t>uxTopReadyPriority</a:t>
+            </a:r>
+            <a:r>
+              <a:rPr lang="zh-CN" altLang="zh-CN" dirty="0"/>
+              <a:t>的某个位置</a:t>
+            </a:r>
+            <a:r>
+              <a:rPr lang="en-US" altLang="zh-CN" dirty="0"/>
+              <a:t>1</a:t>
+            </a:r>
+            <a:endParaRPr lang="zh-CN" altLang="en-US" dirty="0"/>
+          </a:p>
+        </p:txBody>
+      </p:sp>
+      <p:sp>
+        <p:nvSpPr>
+          <p:cNvPr id="4" name="矩形 3"/>
+          <p:cNvSpPr/>
+          <p:nvPr/>
+        </p:nvSpPr>
+        <p:spPr>
+          <a:xfrm>
+            <a:off x="539552" y="4797152"/>
+            <a:ext cx="7725256" cy="646331"/>
+          </a:xfrm>
+          <a:prstGeom prst="rect">
+            <a:avLst/>
+          </a:prstGeom>
+        </p:spPr>
+        <p:txBody>
+          <a:bodyPr wrap="none">
+            <a:spAutoFit/>
+          </a:bodyPr>
+          <a:lstStyle/>
+          <a:p>
+            <a:r>
+              <a:rPr lang="en-US" altLang="zh-CN" dirty="0" err="1" smtClean="0"/>
+              <a:t>portRESET_READY_PRIORITY</a:t>
+            </a:r>
+            <a:r>
+              <a:rPr lang="en-US" altLang="zh-CN" dirty="0" smtClean="0"/>
+              <a:t>()</a:t>
+            </a:r>
+            <a:r>
+              <a:rPr lang="zh-CN" altLang="en-US" dirty="0" smtClean="0"/>
+              <a:t>用于将</a:t>
+            </a:r>
+            <a:r>
+              <a:rPr lang="zh-CN" altLang="zh-CN" dirty="0"/>
+              <a:t>变量</a:t>
+            </a:r>
+            <a:r>
+              <a:rPr lang="en-US" altLang="zh-CN" dirty="0" err="1"/>
+              <a:t>uxTopReadyPriority</a:t>
+            </a:r>
+            <a:r>
+              <a:rPr lang="zh-CN" altLang="zh-CN" dirty="0"/>
+              <a:t>的某个</a:t>
+            </a:r>
+            <a:r>
+              <a:rPr lang="zh-CN" altLang="zh-CN" dirty="0" smtClean="0"/>
+              <a:t>位</a:t>
+            </a:r>
+            <a:endParaRPr lang="zh-CN" altLang="en-US" dirty="0"/>
+          </a:p>
+          <a:p>
+            <a:r>
+              <a:rPr lang="zh-CN" altLang="en-US" dirty="0" smtClean="0"/>
+              <a:t>清零</a:t>
+            </a:r>
+            <a:endParaRPr lang="zh-CN" altLang="en-US" dirty="0"/>
+          </a:p>
+        </p:txBody>
+      </p:sp>
+      <p:sp>
+        <p:nvSpPr>
+          <p:cNvPr id="6" name="矩形 5"/>
+          <p:cNvSpPr/>
+          <p:nvPr/>
+        </p:nvSpPr>
+        <p:spPr>
+          <a:xfrm>
+            <a:off x="539552" y="5661248"/>
+            <a:ext cx="7848872" cy="646331"/>
+          </a:xfrm>
+          <a:prstGeom prst="rect">
+            <a:avLst/>
+          </a:prstGeom>
+        </p:spPr>
+        <p:txBody>
+          <a:bodyPr wrap="square">
+            <a:spAutoFit/>
+          </a:bodyPr>
+          <a:lstStyle/>
+          <a:p>
+            <a:r>
+              <a:rPr lang="en-US" altLang="zh-CN" dirty="0" err="1"/>
+              <a:t>taskSELECT_HIGHEST_PRIORITY_TASK</a:t>
+            </a:r>
+            <a:r>
+              <a:rPr lang="en-US" altLang="zh-CN" dirty="0" smtClean="0"/>
+              <a:t>()</a:t>
+            </a:r>
+            <a:r>
+              <a:rPr lang="zh-CN" altLang="zh-CN" dirty="0"/>
+              <a:t>用于寻找优先级最高的就绪任务，实质就是更新</a:t>
+            </a:r>
+            <a:r>
+              <a:rPr lang="en-US" altLang="zh-CN" dirty="0" err="1"/>
+              <a:t>uxTopReadyPriority</a:t>
+            </a:r>
+            <a:r>
+              <a:rPr lang="zh-CN" altLang="zh-CN" dirty="0"/>
+              <a:t>和</a:t>
+            </a:r>
+            <a:r>
+              <a:rPr lang="en-US" altLang="zh-CN" dirty="0" err="1"/>
+              <a:t>pxCurrentTCB</a:t>
+            </a:r>
+            <a:r>
+              <a:rPr lang="zh-CN" altLang="zh-CN" dirty="0"/>
+              <a:t>的值。</a:t>
+            </a:r>
+            <a:endParaRPr lang="zh-CN" altLang="en-US" dirty="0"/>
           </a:p>
         </p:txBody>
       </p:sp>
@@ -11546,14 +11997,14 @@
           <a:p>
             <a:pPr algn="ctr" eaLnBrk="1" hangingPunct="1"/>
             <a:r>
-              <a:rPr lang="en-US" altLang="zh-CN" sz="3200" b="1" dirty="0" err="1" smtClean="0">
+              <a:rPr lang="zh-CN" altLang="en-US" sz="3200" b="1" dirty="0" smtClean="0">
                 <a:solidFill>
                   <a:srgbClr val="000000"/>
                 </a:solidFill>
                 <a:latin typeface="微软雅黑" pitchFamily="34" charset="-122"/>
                 <a:ea typeface="微软雅黑" pitchFamily="34" charset="-122"/>
               </a:rPr>
-              <a:t>xxxxxx</a:t>
+              <a:t>修改代码</a:t>
             </a:r>
             <a:endParaRPr lang="zh-CN" altLang="en-US" sz="3200" b="1" dirty="0">
               <a:solidFill>
@@ -11562,6 +12013,300 @@
               <a:latin typeface="微软雅黑" pitchFamily="34" charset="-122"/>
               <a:ea typeface="微软雅黑" pitchFamily="34" charset="-122"/>
             </a:endParaRPr>
+          </a:p>
+        </p:txBody>
+      </p:sp>
+      <p:sp>
+        <p:nvSpPr>
+          <p:cNvPr id="2" name="矩形 1"/>
+          <p:cNvSpPr/>
+          <p:nvPr/>
+        </p:nvSpPr>
+        <p:spPr>
+          <a:xfrm>
+            <a:off x="539552" y="1412776"/>
+            <a:ext cx="7042312" cy="369332"/>
+          </a:xfrm>
+          <a:prstGeom prst="rect">
+            <a:avLst/>
+          </a:prstGeom>
+        </p:spPr>
+        <p:txBody>
+          <a:bodyPr wrap="none">
+            <a:spAutoFit/>
+          </a:bodyPr>
+          <a:lstStyle/>
+          <a:p>
+            <a:r>
+              <a:rPr lang="zh-CN" altLang="en-US" b="1" dirty="0" smtClean="0"/>
+              <a:t>任务控制块：</a:t>
+            </a:r>
+            <a:r>
+              <a:rPr lang="zh-CN" altLang="zh-CN" dirty="0" smtClean="0"/>
+              <a:t>在任务控制块中增加与优先级相关的成员</a:t>
+            </a:r>
+            <a:r>
+              <a:rPr lang="en-US" altLang="zh-CN" b="1" dirty="0" err="1"/>
+              <a:t>uxPriority</a:t>
+            </a:r>
+            <a:r>
+              <a:rPr lang="zh-CN" altLang="en-US" dirty="0" smtClean="0"/>
+              <a:t>。</a:t>
+            </a:r>
+            <a:endParaRPr lang="zh-CN" altLang="en-US" dirty="0"/>
+          </a:p>
+        </p:txBody>
+      </p:sp>
+      <p:sp>
+        <p:nvSpPr>
+          <p:cNvPr id="3" name="矩形 2"/>
+          <p:cNvSpPr/>
+          <p:nvPr/>
+        </p:nvSpPr>
+        <p:spPr>
+          <a:xfrm>
+            <a:off x="539552" y="2276872"/>
+            <a:ext cx="7405104" cy="369332"/>
+          </a:xfrm>
+          <a:prstGeom prst="rect">
+            <a:avLst/>
+          </a:prstGeom>
+        </p:spPr>
+        <p:txBody>
+          <a:bodyPr wrap="none">
+            <a:spAutoFit/>
+          </a:bodyPr>
+          <a:lstStyle/>
+          <a:p>
+            <a:r>
+              <a:rPr lang="zh-CN" altLang="en-US" b="1" dirty="0"/>
+              <a:t>修改</a:t>
+            </a:r>
+            <a:r>
+              <a:rPr lang="en-US" altLang="zh-CN" b="1" dirty="0" err="1"/>
+              <a:t>xTaskCreateStatic</a:t>
+            </a:r>
+            <a:r>
+              <a:rPr lang="en-US" altLang="zh-CN" b="1" dirty="0" smtClean="0"/>
+              <a:t>()</a:t>
+            </a:r>
+            <a:r>
+              <a:rPr lang="zh-CN" altLang="en-US" b="1" dirty="0" smtClean="0"/>
+              <a:t>：</a:t>
+            </a:r>
+            <a:r>
+              <a:rPr lang="zh-CN" altLang="zh-CN" dirty="0"/>
+              <a:t>增加</a:t>
+            </a:r>
+            <a:r>
+              <a:rPr lang="zh-CN" altLang="zh-CN" dirty="0"/>
+              <a:t>优先级形参，数值越大，优先级越</a:t>
+            </a:r>
+            <a:r>
+              <a:rPr lang="zh-CN" altLang="zh-CN" dirty="0"/>
+              <a:t>高</a:t>
+            </a:r>
+            <a:r>
+              <a:rPr lang="zh-CN" altLang="en-US" dirty="0"/>
+              <a:t>。</a:t>
+            </a:r>
+            <a:endParaRPr lang="zh-CN" altLang="en-US" dirty="0"/>
+          </a:p>
+        </p:txBody>
+      </p:sp>
+      <p:sp>
+        <p:nvSpPr>
+          <p:cNvPr id="4" name="矩形 3"/>
+          <p:cNvSpPr/>
+          <p:nvPr/>
+        </p:nvSpPr>
+        <p:spPr>
+          <a:xfrm>
+            <a:off x="539551" y="3105835"/>
+            <a:ext cx="7718973" cy="369332"/>
+          </a:xfrm>
+          <a:prstGeom prst="rect">
+            <a:avLst/>
+          </a:prstGeom>
+        </p:spPr>
+        <p:txBody>
+          <a:bodyPr wrap="square">
+            <a:spAutoFit/>
+          </a:bodyPr>
+          <a:lstStyle/>
+          <a:p>
+            <a:r>
+              <a:rPr lang="zh-CN" altLang="zh-CN" b="1" dirty="0"/>
+              <a:t>修改</a:t>
+            </a:r>
+            <a:r>
+              <a:rPr lang="en-US" altLang="zh-CN" b="1" dirty="0" err="1"/>
+              <a:t>prvInitialiseNewTask</a:t>
+            </a:r>
+            <a:r>
+              <a:rPr lang="en-US" altLang="zh-CN" b="1" dirty="0" smtClean="0"/>
+              <a:t>()</a:t>
+            </a:r>
+            <a:r>
+              <a:rPr lang="zh-CN" altLang="zh-CN" b="1" dirty="0" smtClean="0"/>
+              <a:t> </a:t>
+            </a:r>
+            <a:r>
+              <a:rPr lang="zh-CN" altLang="en-US" b="1" dirty="0" smtClean="0"/>
+              <a:t>：</a:t>
+            </a:r>
+            <a:r>
+              <a:rPr lang="zh-CN" altLang="zh-CN" dirty="0" smtClean="0"/>
+              <a:t>增加</a:t>
+            </a:r>
+            <a:r>
+              <a:rPr lang="zh-CN" altLang="zh-CN" dirty="0"/>
+              <a:t>优先级形参和优先级初始化相关代码</a:t>
+            </a:r>
+            <a:endParaRPr lang="zh-CN" altLang="en-US" dirty="0"/>
+          </a:p>
+        </p:txBody>
+      </p:sp>
+      <p:sp>
+        <p:nvSpPr>
+          <p:cNvPr id="5" name="矩形 4"/>
+          <p:cNvSpPr/>
+          <p:nvPr/>
+        </p:nvSpPr>
+        <p:spPr>
+          <a:xfrm>
+            <a:off x="539552" y="4005064"/>
+            <a:ext cx="7426457" cy="369332"/>
+          </a:xfrm>
+          <a:prstGeom prst="rect">
+            <a:avLst/>
+          </a:prstGeom>
+        </p:spPr>
+        <p:txBody>
+          <a:bodyPr wrap="none">
+            <a:spAutoFit/>
+          </a:bodyPr>
+          <a:lstStyle/>
+          <a:p>
+            <a:r>
+              <a:rPr lang="zh-CN" altLang="en-US" b="1" dirty="0"/>
+              <a:t>实现</a:t>
+            </a:r>
+            <a:r>
+              <a:rPr lang="en-US" altLang="zh-CN" b="1" dirty="0" err="1" smtClean="0"/>
+              <a:t>prvAddNewTaskToReadyList</a:t>
+            </a:r>
+            <a:r>
+              <a:rPr lang="en-US" altLang="zh-CN" b="1" dirty="0" smtClean="0"/>
+              <a:t>()</a:t>
+            </a:r>
+            <a:r>
+              <a:rPr lang="zh-CN" altLang="en-US" b="1" dirty="0" smtClean="0"/>
+              <a:t>：</a:t>
+            </a:r>
+            <a:r>
+              <a:rPr lang="zh-CN" altLang="en-US" dirty="0" smtClean="0"/>
+              <a:t>将新创建的任务添加到就绪列表</a:t>
+            </a:r>
+            <a:endParaRPr lang="zh-CN" altLang="en-US" b="1" dirty="0"/>
+          </a:p>
+        </p:txBody>
+      </p:sp>
+      <p:sp>
+        <p:nvSpPr>
+          <p:cNvPr id="6" name="矩形 5"/>
+          <p:cNvSpPr/>
+          <p:nvPr/>
+        </p:nvSpPr>
+        <p:spPr>
+          <a:xfrm>
+            <a:off x="539551" y="4869160"/>
+            <a:ext cx="7751353" cy="369332"/>
+          </a:xfrm>
+          <a:prstGeom prst="rect">
+            <a:avLst/>
+          </a:prstGeom>
+        </p:spPr>
+        <p:txBody>
+          <a:bodyPr wrap="none">
+            <a:spAutoFit/>
+          </a:bodyPr>
+          <a:lstStyle/>
+          <a:p>
+            <a:r>
+              <a:rPr lang="zh-CN" altLang="en-US" b="1" dirty="0" smtClean="0"/>
+              <a:t>实现</a:t>
+            </a:r>
+            <a:r>
+              <a:rPr lang="en-US" altLang="zh-CN" b="1" dirty="0" err="1" smtClean="0"/>
+              <a:t>prvInitialiseTaskLists</a:t>
+            </a:r>
+            <a:r>
+              <a:rPr lang="en-US" altLang="zh-CN" b="1" dirty="0" smtClean="0"/>
+              <a:t>()</a:t>
+            </a:r>
+            <a:r>
+              <a:rPr lang="zh-CN" altLang="en-US" b="1" dirty="0" smtClean="0"/>
+              <a:t>：</a:t>
+            </a:r>
+            <a:r>
+              <a:rPr lang="zh-CN" altLang="zh-CN" dirty="0" smtClean="0"/>
+              <a:t>初始化</a:t>
+            </a:r>
+            <a:r>
+              <a:rPr lang="zh-CN" altLang="zh-CN" dirty="0"/>
+              <a:t>任务相关的</a:t>
+            </a:r>
+            <a:r>
+              <a:rPr lang="zh-CN" altLang="zh-CN" dirty="0" smtClean="0"/>
+              <a:t>列表</a:t>
+            </a:r>
+            <a:r>
+              <a:rPr lang="zh-CN" altLang="en-US" dirty="0" smtClean="0"/>
+              <a:t>，此处只有就绪列表</a:t>
+            </a:r>
+            <a:endParaRPr lang="zh-CN" altLang="en-US" b="1" dirty="0"/>
+          </a:p>
+        </p:txBody>
+      </p:sp>
+      <p:sp>
+        <p:nvSpPr>
+          <p:cNvPr id="7" name="矩形 6"/>
+          <p:cNvSpPr/>
+          <p:nvPr/>
+        </p:nvSpPr>
+        <p:spPr>
+          <a:xfrm>
+            <a:off x="539551" y="5589240"/>
+            <a:ext cx="5563767" cy="369332"/>
+          </a:xfrm>
+          <a:prstGeom prst="rect">
+            <a:avLst/>
+          </a:prstGeom>
+        </p:spPr>
+        <p:txBody>
+          <a:bodyPr wrap="none">
+            <a:spAutoFit/>
+          </a:bodyPr>
+          <a:lstStyle/>
+          <a:p>
+            <a:r>
+              <a:rPr lang="en-US" altLang="zh-CN" b="1" dirty="0" err="1"/>
+              <a:t>prvAddTaskToReadyList</a:t>
+            </a:r>
+            <a:r>
+              <a:rPr lang="en-US" altLang="zh-CN" b="1" dirty="0" smtClean="0"/>
+              <a:t>()</a:t>
+            </a:r>
+            <a:r>
+              <a:rPr lang="zh-CN" altLang="en-US" b="1" dirty="0" smtClean="0"/>
+              <a:t>：</a:t>
+            </a:r>
+            <a:r>
+              <a:rPr lang="zh-CN" altLang="en-US" dirty="0" smtClean="0"/>
+              <a:t>将任务添加到就绪列表</a:t>
+            </a:r>
+            <a:endParaRPr lang="zh-CN" altLang="en-US" dirty="0"/>
           </a:p>
         </p:txBody>
       </p:sp>
@@ -11829,14 +12574,14 @@
           <a:p>
             <a:pPr algn="ctr" eaLnBrk="1" hangingPunct="1"/>
             <a:r>
-              <a:rPr lang="en-US" altLang="zh-CN" sz="3200" b="1" dirty="0" err="1" smtClean="0">
+              <a:rPr lang="zh-CN" altLang="en-US" sz="3200" b="1" dirty="0" smtClean="0">
                 <a:solidFill>
                   <a:srgbClr val="000000"/>
                 </a:solidFill>
                 <a:latin typeface="微软雅黑" pitchFamily="34" charset="-122"/>
                 <a:ea typeface="微软雅黑" pitchFamily="34" charset="-122"/>
               </a:rPr>
-              <a:t>xxxxxx</a:t>
+              <a:t>修改代码</a:t>
             </a:r>
             <a:endParaRPr lang="zh-CN" altLang="en-US" sz="3200" b="1" dirty="0">
               <a:solidFill>
@@ -11845,6 +12590,298 @@
               <a:latin typeface="微软雅黑" pitchFamily="34" charset="-122"/>
               <a:ea typeface="微软雅黑" pitchFamily="34" charset="-122"/>
             </a:endParaRPr>
+          </a:p>
+        </p:txBody>
+      </p:sp>
+      <p:sp>
+        <p:nvSpPr>
+          <p:cNvPr id="3" name="矩形 2"/>
+          <p:cNvSpPr/>
+          <p:nvPr/>
+        </p:nvSpPr>
+        <p:spPr>
+          <a:xfrm>
+            <a:off x="539552" y="1484784"/>
+            <a:ext cx="6120680" cy="369332"/>
+          </a:xfrm>
+          <a:prstGeom prst="rect">
+            <a:avLst/>
+          </a:prstGeom>
+        </p:spPr>
+        <p:txBody>
+          <a:bodyPr wrap="square">
+            <a:spAutoFit/>
+          </a:bodyPr>
+          <a:lstStyle/>
+          <a:p>
+            <a:r>
+              <a:rPr lang="zh-CN" altLang="zh-CN" dirty="0"/>
+              <a:t>修改开启任务调度函数</a:t>
+            </a:r>
+            <a:r>
+              <a:rPr lang="en-US" altLang="zh-CN" b="1" dirty="0" err="1"/>
+              <a:t>vTaskStartScheduler</a:t>
+            </a:r>
+            <a:r>
+              <a:rPr lang="en-US" altLang="zh-CN" b="1" dirty="0"/>
+              <a:t>()</a:t>
+            </a:r>
+            <a:endParaRPr lang="zh-CN" altLang="en-US" b="1" dirty="0"/>
+          </a:p>
+        </p:txBody>
+      </p:sp>
+      <p:sp>
+        <p:nvSpPr>
+          <p:cNvPr id="4" name="矩形 3"/>
+          <p:cNvSpPr/>
+          <p:nvPr/>
+        </p:nvSpPr>
+        <p:spPr>
+          <a:xfrm>
+            <a:off x="539552" y="2204864"/>
+            <a:ext cx="7848872" cy="646331"/>
+          </a:xfrm>
+          <a:prstGeom prst="rect">
+            <a:avLst/>
+          </a:prstGeom>
+        </p:spPr>
+        <p:txBody>
+          <a:bodyPr wrap="square">
+            <a:spAutoFit/>
+          </a:bodyPr>
+          <a:lstStyle/>
+          <a:p>
+            <a:r>
+              <a:rPr lang="zh-CN" altLang="en-US" b="1" dirty="0" smtClean="0"/>
+              <a:t>修改</a:t>
+            </a:r>
+            <a:r>
+              <a:rPr lang="en-US" altLang="zh-CN" b="1" dirty="0" err="1" smtClean="0"/>
+              <a:t>vTaskDelay</a:t>
+            </a:r>
+            <a:r>
+              <a:rPr lang="en-US" altLang="zh-CN" b="1" dirty="0" smtClean="0"/>
+              <a:t>()</a:t>
+            </a:r>
+            <a:r>
+              <a:rPr lang="zh-CN" altLang="en-US" dirty="0" smtClean="0"/>
+              <a:t>：</a:t>
+            </a:r>
+            <a:r>
+              <a:rPr lang="zh-CN" altLang="zh-CN" dirty="0"/>
+              <a:t>根据优先级将优先级位图表</a:t>
+            </a:r>
+            <a:r>
+              <a:rPr lang="en-US" altLang="zh-CN" dirty="0" err="1"/>
+              <a:t>uxTopReadyPriority</a:t>
+            </a:r>
+            <a:r>
+              <a:rPr lang="zh-CN" altLang="zh-CN" dirty="0"/>
+              <a:t>中对应的位清</a:t>
+            </a:r>
+            <a:r>
+              <a:rPr lang="zh-CN" altLang="zh-CN" dirty="0" smtClean="0"/>
+              <a:t>零</a:t>
+            </a:r>
+            <a:endParaRPr lang="zh-CN" altLang="en-US" dirty="0"/>
+          </a:p>
+        </p:txBody>
+      </p:sp>
+      <p:sp>
+        <p:nvSpPr>
+          <p:cNvPr id="5" name="矩形 4"/>
+          <p:cNvSpPr/>
+          <p:nvPr/>
+        </p:nvSpPr>
+        <p:spPr>
+          <a:xfrm>
+            <a:off x="539552" y="3249079"/>
+            <a:ext cx="7560840" cy="923330"/>
+          </a:xfrm>
+          <a:prstGeom prst="rect">
+            <a:avLst/>
+          </a:prstGeom>
+        </p:spPr>
+        <p:txBody>
+          <a:bodyPr wrap="square">
+            <a:spAutoFit/>
+          </a:bodyPr>
+          <a:lstStyle/>
+          <a:p>
+            <a:r>
+              <a:rPr lang="zh-CN" altLang="en-US" b="1" dirty="0" smtClean="0"/>
+              <a:t>修改</a:t>
+            </a:r>
+            <a:r>
+              <a:rPr lang="en-US" altLang="zh-CN" b="1" dirty="0" err="1" smtClean="0"/>
+              <a:t>vTaskSwitchContext</a:t>
+            </a:r>
+            <a:r>
+              <a:rPr lang="en-US" altLang="zh-CN" b="1" dirty="0" smtClean="0"/>
+              <a:t>()</a:t>
+            </a:r>
+            <a:r>
+              <a:rPr lang="zh-CN" altLang="en-US" b="1" dirty="0" smtClean="0"/>
+              <a:t>：</a:t>
+            </a:r>
+            <a:endParaRPr lang="en-US" altLang="zh-CN" b="1" dirty="0" smtClean="0"/>
+          </a:p>
+          <a:p>
+            <a:r>
+              <a:rPr lang="zh-CN" altLang="zh-CN" dirty="0" smtClean="0"/>
+              <a:t>直接</a:t>
+            </a:r>
+            <a:r>
+              <a:rPr lang="zh-CN" altLang="zh-CN" dirty="0"/>
+              <a:t>调用函数</a:t>
+            </a:r>
+            <a:r>
+              <a:rPr lang="en-US" altLang="zh-CN" dirty="0" err="1"/>
+              <a:t>taskSELECT_HIGHEST_PRIORITY_TASK</a:t>
+            </a:r>
+            <a:r>
+              <a:rPr lang="en-US" altLang="zh-CN" dirty="0" smtClean="0"/>
+              <a:t>()</a:t>
+            </a:r>
+            <a:r>
+              <a:rPr lang="zh-CN" altLang="zh-CN" dirty="0" smtClean="0"/>
+              <a:t>寻找</a:t>
+            </a:r>
+            <a:r>
+              <a:rPr lang="zh-CN" altLang="zh-CN" dirty="0"/>
+              <a:t>到优先级最高的就绪任务的</a:t>
+            </a:r>
+            <a:r>
+              <a:rPr lang="en-US" altLang="zh-CN" dirty="0"/>
+              <a:t>TCB</a:t>
+            </a:r>
+            <a:r>
+              <a:rPr lang="zh-CN" altLang="zh-CN" dirty="0"/>
+              <a:t>，然后更新到</a:t>
+            </a:r>
+            <a:r>
+              <a:rPr lang="en-US" altLang="zh-CN" dirty="0" err="1" smtClean="0"/>
+              <a:t>pxCurrentTCB</a:t>
+            </a:r>
+            <a:r>
+              <a:rPr lang="zh-CN" altLang="en-US" dirty="0" smtClean="0"/>
+              <a:t>。</a:t>
+            </a:r>
+            <a:endParaRPr lang="zh-CN" altLang="en-US" b="1" dirty="0"/>
+          </a:p>
+        </p:txBody>
+      </p:sp>
+      <p:sp>
+        <p:nvSpPr>
+          <p:cNvPr id="6" name="矩形 5"/>
+          <p:cNvSpPr/>
+          <p:nvPr/>
+        </p:nvSpPr>
+        <p:spPr>
+          <a:xfrm>
+            <a:off x="539552" y="4581128"/>
+            <a:ext cx="7560840" cy="923330"/>
+          </a:xfrm>
+          <a:prstGeom prst="rect">
+            <a:avLst/>
+          </a:prstGeom>
+        </p:spPr>
+        <p:txBody>
+          <a:bodyPr wrap="square">
+            <a:spAutoFit/>
+          </a:bodyPr>
+          <a:lstStyle/>
+          <a:p>
+            <a:r>
+              <a:rPr lang="zh-CN" altLang="zh-CN" b="1" dirty="0"/>
+              <a:t>修改</a:t>
+            </a:r>
+            <a:r>
+              <a:rPr lang="en-US" altLang="zh-CN" b="1" dirty="0" err="1"/>
+              <a:t>xTaskIncrementTick</a:t>
+            </a:r>
+            <a:r>
+              <a:rPr lang="en-US" altLang="zh-CN" b="1" dirty="0" smtClean="0"/>
+              <a:t>()</a:t>
+            </a:r>
+            <a:r>
+              <a:rPr lang="zh-CN" altLang="en-US" dirty="0" smtClean="0"/>
+              <a:t>：</a:t>
+            </a:r>
+            <a:r>
+              <a:rPr lang="zh-CN" altLang="zh-CN" dirty="0" smtClean="0"/>
+              <a:t>在</a:t>
+            </a:r>
+            <a:r>
+              <a:rPr lang="zh-CN" altLang="zh-CN" dirty="0"/>
+              <a:t>原来的基础上增加：当任务延时时间到，将任务就绪的</a:t>
+            </a:r>
+            <a:r>
+              <a:rPr lang="zh-CN" altLang="zh-CN" dirty="0" smtClean="0"/>
+              <a:t>代码</a:t>
+            </a:r>
+            <a:r>
+              <a:rPr lang="zh-CN" altLang="en-US" dirty="0" smtClean="0"/>
+              <a:t>，</a:t>
+            </a:r>
+            <a:r>
+              <a:rPr lang="zh-CN" altLang="zh-CN" dirty="0"/>
+              <a:t>根据优先级将优先级位图表</a:t>
+            </a:r>
+            <a:r>
+              <a:rPr lang="en-US" altLang="zh-CN" dirty="0" err="1"/>
+              <a:t>uxTopReadyPriority</a:t>
+            </a:r>
+            <a:r>
+              <a:rPr lang="zh-CN" altLang="zh-CN" dirty="0"/>
+              <a:t>中对应的位置</a:t>
+            </a:r>
+            <a:r>
+              <a:rPr lang="zh-CN" altLang="zh-CN" dirty="0" smtClean="0"/>
+              <a:t>位</a:t>
+            </a:r>
+            <a:r>
+              <a:rPr lang="zh-CN" altLang="en-US" dirty="0" smtClean="0"/>
+              <a:t>。</a:t>
+            </a:r>
+            <a:endParaRPr lang="zh-CN" altLang="en-US" dirty="0"/>
+          </a:p>
+        </p:txBody>
+      </p:sp>
+      <p:sp>
+        <p:nvSpPr>
+          <p:cNvPr id="7" name="矩形 6"/>
+          <p:cNvSpPr/>
+          <p:nvPr/>
+        </p:nvSpPr>
+        <p:spPr>
+          <a:xfrm>
+            <a:off x="538646" y="5733256"/>
+            <a:ext cx="4572000" cy="369332"/>
+          </a:xfrm>
+          <a:prstGeom prst="rect">
+            <a:avLst/>
+          </a:prstGeom>
+        </p:spPr>
+        <p:txBody>
+          <a:bodyPr>
+            <a:spAutoFit/>
+          </a:bodyPr>
+          <a:lstStyle/>
+          <a:p>
+            <a:r>
+              <a:rPr lang="zh-CN" altLang="en-US" dirty="0" smtClean="0"/>
+              <a:t>在</a:t>
+            </a:r>
+            <a:r>
+              <a:rPr lang="en-US" altLang="zh-CN" dirty="0" smtClean="0"/>
+              <a:t>main</a:t>
+            </a:r>
+            <a:r>
+              <a:rPr lang="zh-CN" altLang="en-US" dirty="0" smtClean="0"/>
+              <a:t>函数中实现创建任务并启动调度器</a:t>
+            </a:r>
+            <a:endParaRPr lang="zh-CN" altLang="en-US" dirty="0"/>
           </a:p>
         </p:txBody>
       </p:sp>
@@ -12134,7 +13171,7 @@
   </a:extraClrSchemeLst>
   <a:extLst>
     <a:ext uri="{05A4C25C-085E-4340-85A3-A5531E510DB2}">
-      <thm15:themeFamily xmlns:thm15="http://schemas.microsoft.com/office/thememl/2012/main" xmlns="" name="Office Theme" id="{62F939B6-93AF-4DB8-9C6B-D6C7DFDC589F}" vid="{4A3C46E8-61CC-4603-A589-7422A47A8E4A}"/>
+      <thm15:themeFamily xmlns="" xmlns:thm15="http://schemas.microsoft.com/office/thememl/2012/main" name="Office Theme" id="{62F939B6-93AF-4DB8-9C6B-D6C7DFDC589F}" vid="{4A3C46E8-61CC-4603-A589-7422A47A8E4A}"/>
     </a:ext>
   </a:extLst>
 </a:theme>
